--- a/slides/ppt/08_JDBC.pptx
+++ b/slides/ppt/08_JDBC.pptx
@@ -4545,11 +4545,7 @@
             </a:r>
             <a:r>
               <a:rPr lang="en-US" dirty="0" smtClean="0"/>
-              <a:t>provided </a:t>
-            </a:r>
-            <a:r>
-              <a:rPr lang="en-US" dirty="0" smtClean="0"/>
-              <a:t>by JDBC</a:t>
+              <a:t>provided by JDBC</a:t>
             </a:r>
             <a:endParaRPr lang="en-US" dirty="0"/>
           </a:p>
@@ -5981,7 +5977,21 @@
                 <a:latin typeface="Consolas"/>
                 <a:cs typeface="Consolas"/>
               </a:rPr>
-              <a:t>("INSERT INTO item (year, title, type, </a:t>
+              <a:t>("INSERT INTO </a:t>
+            </a:r>
+            <a:r>
+              <a:rPr lang="en-US" sz="2000" dirty="0" smtClean="0">
+                <a:latin typeface="Consolas"/>
+                <a:cs typeface="Consolas"/>
+              </a:rPr>
+              <a:t>book (</a:t>
+            </a:r>
+            <a:r>
+              <a:rPr lang="en-US" sz="2000" dirty="0">
+                <a:latin typeface="Consolas"/>
+                <a:cs typeface="Consolas"/>
+              </a:rPr>
+              <a:t>year, title, type, </a:t>
             </a:r>
             <a:r>
               <a:rPr lang="en-US" sz="2000" dirty="0" err="1">
@@ -5995,7 +6005,21 @@
                 <a:latin typeface="Consolas"/>
                 <a:cs typeface="Consolas"/>
               </a:rPr>
-              <a:t>) VALUES(2002, '</a:t>
+              <a:t>) </a:t>
+            </a:r>
+            <a:r>
+              <a:rPr lang="en-US" sz="2000" dirty="0" smtClean="0">
+                <a:latin typeface="Consolas"/>
+                <a:cs typeface="Consolas"/>
+              </a:rPr>
+              <a:t>VALUES (</a:t>
+            </a:r>
+            <a:r>
+              <a:rPr lang="en-US" sz="2000" dirty="0">
+                <a:latin typeface="Consolas"/>
+                <a:cs typeface="Consolas"/>
+              </a:rPr>
+              <a:t>2002, '</a:t>
             </a:r>
             <a:r>
               <a:rPr lang="en-US" sz="2000" dirty="0" err="1">
@@ -16471,32 +16495,66 @@
               </a:lnSpc>
             </a:pPr>
             <a:r>
-              <a:rPr lang="en-US"/>
+              <a:rPr lang="en-US" dirty="0"/>
               <a:t>A </a:t>
             </a:r>
             <a:r>
-              <a:rPr lang="en-US" smtClean="0">
+              <a:rPr lang="en-US" dirty="0" err="1" smtClean="0">
                 <a:solidFill>
                   <a:srgbClr val="E46C0A"/>
                 </a:solidFill>
               </a:rPr>
-              <a:t>ResultSet </a:t>
-            </a:r>
-            <a:r>
-              <a:rPr lang="en-US" dirty="0"/>
-              <a:t>object is able to provide </a:t>
-            </a:r>
-            <a:r>
-              <a:rPr lang="en-US" dirty="0">
+              <a:t>ResultSet</a:t>
+            </a:r>
+            <a:r>
+              <a:rPr lang="en-US" dirty="0" smtClean="0">
                 <a:solidFill>
                   <a:srgbClr val="E46C0A"/>
                 </a:solidFill>
               </a:rPr>
-              <a:t>schema </a:t>
+              <a:t> </a:t>
             </a:r>
             <a:r>
               <a:rPr lang="en-US" dirty="0"/>
-              <a:t>information describing its columns.</a:t>
+              <a:t>object </a:t>
+            </a:r>
+            <a:r>
+              <a:rPr lang="en-US" dirty="0" smtClean="0"/>
+              <a:t>provides a </a:t>
+            </a:r>
+            <a:r>
+              <a:rPr lang="en-US" dirty="0" err="1" smtClean="0">
+                <a:solidFill>
+                  <a:schemeClr val="accent6">
+                    <a:lumMod val="75000"/>
+                  </a:schemeClr>
+                </a:solidFill>
+              </a:rPr>
+              <a:t>ResultSetMetaData</a:t>
+            </a:r>
+            <a:r>
+              <a:rPr lang="en-US" dirty="0" smtClean="0">
+                <a:solidFill>
+                  <a:schemeClr val="accent6">
+                    <a:lumMod val="75000"/>
+                  </a:schemeClr>
+                </a:solidFill>
+              </a:rPr>
+              <a:t> </a:t>
+            </a:r>
+            <a:r>
+              <a:rPr lang="en-US" dirty="0" smtClean="0"/>
+              <a:t>object providing </a:t>
+            </a:r>
+            <a:r>
+              <a:rPr lang="en-US" dirty="0" smtClean="0">
+                <a:solidFill>
+                  <a:schemeClr val="accent6">
+                    <a:lumMod val="75000"/>
+                  </a:schemeClr>
+                </a:solidFill>
+              </a:rPr>
+              <a:t>schema information</a:t>
             </a:r>
           </a:p>
           <a:p>
@@ -16506,8 +16564,12 @@
               </a:lnSpc>
             </a:pPr>
             <a:r>
+              <a:rPr lang="en-US" dirty="0" smtClean="0"/>
+              <a:t>Useful </a:t>
+            </a:r>
+            <a:r>
               <a:rPr lang="en-US" dirty="0"/>
-              <a:t>Useful for writing code running on different </a:t>
+              <a:t>for writing code running on different </a:t>
             </a:r>
             <a:r>
               <a:rPr lang="en-US" dirty="0" smtClean="0"/>
@@ -16550,7 +16612,7 @@
               <a:t>public static void </a:t>
             </a:r>
             <a:r>
-              <a:rPr lang="en-US" sz="1900" err="1">
+              <a:rPr lang="en-US" sz="1900" dirty="0" err="1">
                 <a:solidFill>
                   <a:srgbClr val="000000"/>
                 </a:solidFill>
@@ -16560,14 +16622,34 @@
               <a:t>printRS</a:t>
             </a:r>
             <a:r>
-              <a:rPr lang="en-US" sz="1900" smtClean="0">
+              <a:rPr lang="en-US" sz="1900" dirty="0" smtClean="0">
                 <a:solidFill>
                   <a:srgbClr val="000000"/>
                 </a:solidFill>
                 <a:latin typeface="Consolas"/>
                 <a:cs typeface="Consolas"/>
               </a:rPr>
-              <a:t>(ResultSet </a:t>
+              <a:t>(</a:t>
+            </a:r>
+            <a:r>
+              <a:rPr lang="en-US" sz="1900" dirty="0" err="1" smtClean="0">
+                <a:solidFill>
+                  <a:srgbClr val="000000"/>
+                </a:solidFill>
+                <a:latin typeface="Consolas"/>
+                <a:cs typeface="Consolas"/>
+              </a:rPr>
+              <a:t>ResultSet</a:t>
+            </a:r>
+            <a:r>
+              <a:rPr lang="en-US" sz="1900" dirty="0" smtClean="0">
+                <a:solidFill>
+                  <a:srgbClr val="000000"/>
+                </a:solidFill>
+                <a:latin typeface="Consolas"/>
+                <a:cs typeface="Consolas"/>
+              </a:rPr>
+              <a:t> </a:t>
             </a:r>
             <a:r>
               <a:rPr lang="en-US" sz="1900" dirty="0" err="1">
@@ -16619,7 +16701,7 @@
               <a:buNone/>
             </a:pPr>
             <a:r>
-              <a:rPr lang="en-US" sz="1900" b="1">
+              <a:rPr lang="en-US" sz="1900" b="1" dirty="0">
                 <a:solidFill>
                   <a:srgbClr val="000000"/>
                 </a:solidFill>
@@ -16629,14 +16711,24 @@
               <a:t>	</a:t>
             </a:r>
             <a:r>
-              <a:rPr lang="en-US" sz="1900" b="1" smtClean="0">
+              <a:rPr lang="en-US" sz="1900" b="1" dirty="0" err="1" smtClean="0">
                 <a:solidFill>
                   <a:srgbClr val="000000"/>
                 </a:solidFill>
                 <a:latin typeface="Consolas"/>
                 <a:cs typeface="Consolas"/>
               </a:rPr>
-              <a:t>ResultSetMetaData </a:t>
+              <a:t>ResultSetMetaData</a:t>
+            </a:r>
+            <a:r>
+              <a:rPr lang="en-US" sz="1900" b="1" dirty="0" smtClean="0">
+                <a:solidFill>
+                  <a:srgbClr val="000000"/>
+                </a:solidFill>
+                <a:latin typeface="Consolas"/>
+                <a:cs typeface="Consolas"/>
+              </a:rPr>
+              <a:t> </a:t>
             </a:r>
             <a:r>
               <a:rPr lang="en-US" sz="1900" dirty="0">
@@ -17352,7 +17444,15 @@
             </a:r>
             <a:r>
               <a:rPr lang="en-US" sz="2100" dirty="0"/>
-              <a:t>object, default mode is auto-commit, I.e., each </a:t>
+              <a:t>object, default mode is auto-commit, </a:t>
+            </a:r>
+            <a:r>
+              <a:rPr lang="en-US" sz="2100" dirty="0" smtClean="0"/>
+              <a:t>i.e</a:t>
+            </a:r>
+            <a:r>
+              <a:rPr lang="en-US" sz="2100" dirty="0"/>
+              <a:t>., each </a:t>
             </a:r>
             <a:r>
               <a:rPr lang="en-US" sz="2100" dirty="0" err="1"/>
@@ -17881,12 +17981,18 @@
         </p:nvSpPr>
         <p:spPr/>
         <p:txBody>
-          <a:bodyPr/>
+          <a:bodyPr>
+            <a:normAutofit/>
+          </a:bodyPr>
           <a:lstStyle/>
           <a:p>
             <a:r>
               <a:rPr lang="en-US" dirty="0" smtClean="0"/>
-              <a:t>JDBC-ODBC</a:t>
+              <a:t>Appendix I: JDBC</a:t>
+            </a:r>
+            <a:r>
+              <a:rPr lang="en-US" dirty="0" smtClean="0"/>
+              <a:t>-ODBC</a:t>
             </a:r>
             <a:endParaRPr lang="en-US" dirty="0"/>
           </a:p>
@@ -19039,6 +19145,10 @@
               <a:rPr lang="en-US" dirty="0" err="1" smtClean="0"/>
               <a:t>APPENdiX</a:t>
             </a:r>
+            <a:r>
+              <a:rPr lang="en-US" dirty="0" smtClean="0"/>
+              <a:t> II: Driver types</a:t>
+            </a:r>
             <a:endParaRPr lang="en-US" dirty="0"/>
           </a:p>
         </p:txBody>
@@ -19924,7 +20034,7 @@
                   <a:srgbClr val="E46C0A"/>
                 </a:solidFill>
               </a:rPr>
-              <a:t>JDBC Statement</a:t>
+              <a:t>Statement</a:t>
             </a:r>
             <a:endParaRPr lang="en-US" dirty="0">
               <a:solidFill>
@@ -19962,16 +20072,24 @@
               <a:buAutoNum type="arabicPeriod"/>
             </a:pPr>
             <a:r>
-              <a:rPr lang="en-US" smtClean="0"/>
+              <a:rPr lang="en-US" dirty="0" smtClean="0"/>
               <a:t>Get </a:t>
             </a:r>
             <a:r>
-              <a:rPr lang="en-US" smtClean="0">
+              <a:rPr lang="en-US" dirty="0" err="1" smtClean="0">
                 <a:solidFill>
                   <a:srgbClr val="E46C0A"/>
                 </a:solidFill>
               </a:rPr>
-              <a:t>ResultSet </a:t>
+              <a:t>ResultSet</a:t>
+            </a:r>
+            <a:r>
+              <a:rPr lang="en-US" dirty="0" smtClean="0">
+                <a:solidFill>
+                  <a:srgbClr val="E46C0A"/>
+                </a:solidFill>
+              </a:rPr>
+              <a:t> </a:t>
             </a:r>
             <a:endParaRPr lang="en-US" dirty="0">
               <a:solidFill>
@@ -20635,7 +20753,19 @@
                   <a:srgbClr val="E46C0A"/>
                 </a:solidFill>
               </a:rPr>
-              <a:t>provide</a:t>
+              <a:t>provide </a:t>
+            </a:r>
+            <a:r>
+              <a:rPr lang="en-US" sz="2600" dirty="0">
+                <a:solidFill>
+                  <a:srgbClr val="E46C0A"/>
+                </a:solidFill>
+              </a:rPr>
+              <a:t>the connection to the database</a:t>
+            </a:r>
+            <a:r>
+              <a:rPr lang="en-US" sz="2600" dirty="0"/>
+              <a:t> and </a:t>
             </a:r>
             <a:r>
               <a:rPr lang="en-US" sz="2600" dirty="0" smtClean="0">
@@ -20643,7 +20773,7 @@
                   <a:srgbClr val="E46C0A"/>
                 </a:solidFill>
               </a:rPr>
-              <a:t> </a:t>
+              <a:t>implement </a:t>
             </a:r>
             <a:r>
               <a:rPr lang="en-US" sz="2600" dirty="0">
@@ -20651,11 +20781,7 @@
                   <a:srgbClr val="E46C0A"/>
                 </a:solidFill>
               </a:rPr>
-              <a:t>the connection to the database</a:t>
-            </a:r>
-            <a:r>
-              <a:rPr lang="en-US" sz="2600" dirty="0"/>
-              <a:t> and </a:t>
+              <a:t>the protocol for transferring </a:t>
             </a:r>
             <a:r>
               <a:rPr lang="en-US" sz="2600" dirty="0" smtClean="0">
@@ -20663,7 +20789,7 @@
                   <a:srgbClr val="E46C0A"/>
                 </a:solidFill>
               </a:rPr>
-              <a:t>implement </a:t>
+              <a:t>queries </a:t>
             </a:r>
             <a:r>
               <a:rPr lang="en-US" sz="2600" dirty="0">
@@ -20671,7 +20797,7 @@
                   <a:srgbClr val="E46C0A"/>
                 </a:solidFill>
               </a:rPr>
-              <a:t>the protocol for transferring </a:t>
+              <a:t>and </a:t>
             </a:r>
             <a:r>
               <a:rPr lang="en-US" sz="2600" dirty="0" smtClean="0">
@@ -20679,22 +20805,6 @@
                   <a:srgbClr val="E46C0A"/>
                 </a:solidFill>
               </a:rPr>
-              <a:t>queries </a:t>
-            </a:r>
-            <a:r>
-              <a:rPr lang="en-US" sz="2600" dirty="0">
-                <a:solidFill>
-                  <a:srgbClr val="E46C0A"/>
-                </a:solidFill>
-              </a:rPr>
-              <a:t>and </a:t>
-            </a:r>
-            <a:r>
-              <a:rPr lang="en-US" sz="2600" dirty="0" smtClean="0">
-                <a:solidFill>
-                  <a:srgbClr val="E46C0A"/>
-                </a:solidFill>
-              </a:rPr>
               <a:t>results </a:t>
             </a:r>
             <a:r>
@@ -20711,11 +20821,7 @@
             </a:r>
             <a:r>
               <a:rPr lang="en-US" sz="2600" dirty="0" smtClean="0"/>
-              <a:t>the database</a:t>
-            </a:r>
-            <a:r>
-              <a:rPr lang="en-US" sz="2600" dirty="0" smtClean="0"/>
-              <a:t>.</a:t>
+              <a:t>the database.</a:t>
             </a:r>
           </a:p>
           <a:p>
@@ -20735,8 +20841,13 @@
             </a:r>
             <a:r>
               <a:rPr lang="en-US" sz="2600" dirty="0" smtClean="0"/>
-              <a:t>: Pure Java (see Appendix)</a:t>
-            </a:r>
+              <a:t>: Pure Java (see </a:t>
+            </a:r>
+            <a:r>
+              <a:rPr lang="en-US" sz="2600" dirty="0" smtClean="0"/>
+              <a:t>Appendix II)</a:t>
+            </a:r>
+            <a:endParaRPr lang="en-US" sz="2600" dirty="0" smtClean="0"/>
           </a:p>
           <a:p>
             <a:r>
